--- a/assets/解題平台.pptx
+++ b/assets/解題平台.pptx
@@ -5,17 +5,20 @@
     <p:sldMasterId id="2147483660" r:id="rId1"/>
   </p:sldMasterIdLst>
   <p:notesMasterIdLst>
-    <p:notesMasterId r:id="rId10"/>
+    <p:notesMasterId r:id="rId13"/>
   </p:notesMasterIdLst>
   <p:sldIdLst>
     <p:sldId id="256" r:id="rId2"/>
     <p:sldId id="257" r:id="rId3"/>
     <p:sldId id="258" r:id="rId4"/>
     <p:sldId id="259" r:id="rId5"/>
-    <p:sldId id="260" r:id="rId6"/>
-    <p:sldId id="262" r:id="rId7"/>
-    <p:sldId id="261" r:id="rId8"/>
-    <p:sldId id="263" r:id="rId9"/>
+    <p:sldId id="264" r:id="rId6"/>
+    <p:sldId id="266" r:id="rId7"/>
+    <p:sldId id="265" r:id="rId8"/>
+    <p:sldId id="267" r:id="rId9"/>
+    <p:sldId id="262" r:id="rId10"/>
+    <p:sldId id="261" r:id="rId11"/>
+    <p:sldId id="263" r:id="rId12"/>
   </p:sldIdLst>
   <p:sldSz cx="12192000" cy="6858000"/>
   <p:notesSz cx="6858000" cy="9144000"/>
@@ -122,8 +125,240 @@
 </p:presentation>
 </file>
 
+<file path=ppt/commentAuthors.xml><?xml version="1.0" encoding="utf-8"?>
+<p:cmAuthorLst xmlns:a="http://schemas.openxmlformats.org/drawingml/2006/main" xmlns:r="http://schemas.openxmlformats.org/officeDocument/2006/relationships" xmlns:p="http://schemas.openxmlformats.org/presentationml/2006/main">
+  <p:cmAuthor id="1" name="侑珉 吳" initials="侑珉" lastIdx="1" clrIdx="0">
+    <p:extLst>
+      <p:ext uri="{19B8F6BF-5375-455C-9EA6-DF929625EA0E}">
+        <p15:presenceInfo xmlns:p15="http://schemas.microsoft.com/office/powerpoint/2012/main" userId="91ff56075f44ff7d" providerId="Windows Live"/>
+      </p:ext>
+    </p:extLst>
+  </p:cmAuthor>
+</p:cmAuthorLst>
+</file>
+
 <file path=ppt/changesInfos/changesInfo1.xml><?xml version="1.0" encoding="utf-8"?>
 <pc:chgInfo xmlns:a="http://schemas.openxmlformats.org/drawingml/2006/main" xmlns:r="http://schemas.openxmlformats.org/officeDocument/2006/relationships" xmlns:ac="http://schemas.microsoft.com/office/drawing/2013/main/command" xmlns:pc="http://schemas.microsoft.com/office/powerpoint/2013/main/command">
+  <pc:docChgLst>
+    <pc:chgData name="侑珉 吳" userId="91ff56075f44ff7d" providerId="LiveId" clId="{BA5DC127-9A4B-434F-9125-E242DD0A1E96}"/>
+    <pc:docChg chg="undo custSel addSld delSld modSld sldOrd">
+      <pc:chgData name="侑珉 吳" userId="91ff56075f44ff7d" providerId="LiveId" clId="{BA5DC127-9A4B-434F-9125-E242DD0A1E96}" dt="2022-07-13T06:01:05.658" v="1556"/>
+      <pc:docMkLst>
+        <pc:docMk/>
+      </pc:docMkLst>
+      <pc:sldChg chg="del">
+        <pc:chgData name="侑珉 吳" userId="91ff56075f44ff7d" providerId="LiveId" clId="{BA5DC127-9A4B-434F-9125-E242DD0A1E96}" dt="2022-07-13T03:46:22.090" v="0" actId="2696"/>
+        <pc:sldMkLst>
+          <pc:docMk/>
+          <pc:sldMk cId="3423523245" sldId="260"/>
+        </pc:sldMkLst>
+      </pc:sldChg>
+      <pc:sldChg chg="addSp delSp modSp new mod">
+        <pc:chgData name="侑珉 吳" userId="91ff56075f44ff7d" providerId="LiveId" clId="{BA5DC127-9A4B-434F-9125-E242DD0A1E96}" dt="2022-07-13T05:34:13.672" v="920" actId="14100"/>
+        <pc:sldMkLst>
+          <pc:docMk/>
+          <pc:sldMk cId="4092427249" sldId="264"/>
+        </pc:sldMkLst>
+        <pc:spChg chg="mod">
+          <ac:chgData name="侑珉 吳" userId="91ff56075f44ff7d" providerId="LiveId" clId="{BA5DC127-9A4B-434F-9125-E242DD0A1E96}" dt="2022-07-13T03:47:01.259" v="25" actId="20577"/>
+          <ac:spMkLst>
+            <pc:docMk/>
+            <pc:sldMk cId="4092427249" sldId="264"/>
+            <ac:spMk id="2" creationId="{9FE5C65B-BA23-470C-B6FE-6E4EAF95CCC2}"/>
+          </ac:spMkLst>
+        </pc:spChg>
+        <pc:spChg chg="mod">
+          <ac:chgData name="侑珉 吳" userId="91ff56075f44ff7d" providerId="LiveId" clId="{BA5DC127-9A4B-434F-9125-E242DD0A1E96}" dt="2022-07-13T05:20:48.649" v="909" actId="20577"/>
+          <ac:spMkLst>
+            <pc:docMk/>
+            <pc:sldMk cId="4092427249" sldId="264"/>
+            <ac:spMk id="3" creationId="{DA1A4FEC-60F5-404B-9244-139439D848C3}"/>
+          </ac:spMkLst>
+        </pc:spChg>
+        <pc:spChg chg="add del mod">
+          <ac:chgData name="侑珉 吳" userId="91ff56075f44ff7d" providerId="LiveId" clId="{BA5DC127-9A4B-434F-9125-E242DD0A1E96}" dt="2022-07-13T05:07:14.146" v="409" actId="21"/>
+          <ac:spMkLst>
+            <pc:docMk/>
+            <pc:sldMk cId="4092427249" sldId="264"/>
+            <ac:spMk id="6" creationId="{880E2969-7450-4C00-BDFE-A1362C44FB06}"/>
+          </ac:spMkLst>
+        </pc:spChg>
+        <pc:spChg chg="add del mod">
+          <ac:chgData name="侑珉 吳" userId="91ff56075f44ff7d" providerId="LiveId" clId="{BA5DC127-9A4B-434F-9125-E242DD0A1E96}" dt="2022-07-13T05:20:22.354" v="854" actId="478"/>
+          <ac:spMkLst>
+            <pc:docMk/>
+            <pc:sldMk cId="4092427249" sldId="264"/>
+            <ac:spMk id="7" creationId="{7DBF683E-B486-402F-86F0-BBFF1EDDBE4D}"/>
+          </ac:spMkLst>
+        </pc:spChg>
+        <pc:picChg chg="add del mod">
+          <ac:chgData name="侑珉 吳" userId="91ff56075f44ff7d" providerId="LiveId" clId="{BA5DC127-9A4B-434F-9125-E242DD0A1E96}" dt="2022-07-13T05:20:08.105" v="847" actId="21"/>
+          <ac:picMkLst>
+            <pc:docMk/>
+            <pc:sldMk cId="4092427249" sldId="264"/>
+            <ac:picMk id="5" creationId="{88000AE5-CB24-4512-8766-DEF2A09B8A0D}"/>
+          </ac:picMkLst>
+        </pc:picChg>
+        <pc:picChg chg="add mod">
+          <ac:chgData name="侑珉 吳" userId="91ff56075f44ff7d" providerId="LiveId" clId="{BA5DC127-9A4B-434F-9125-E242DD0A1E96}" dt="2022-07-13T05:20:29.504" v="855" actId="1076"/>
+          <ac:picMkLst>
+            <pc:docMk/>
+            <pc:sldMk cId="4092427249" sldId="264"/>
+            <ac:picMk id="9" creationId="{A0AF2E24-75CA-4F9D-9972-19B0FE62586D}"/>
+          </ac:picMkLst>
+        </pc:picChg>
+        <pc:picChg chg="add mod">
+          <ac:chgData name="侑珉 吳" userId="91ff56075f44ff7d" providerId="LiveId" clId="{BA5DC127-9A4B-434F-9125-E242DD0A1E96}" dt="2022-07-13T05:33:06.882" v="912" actId="1076"/>
+          <ac:picMkLst>
+            <pc:docMk/>
+            <pc:sldMk cId="4092427249" sldId="264"/>
+            <ac:picMk id="11" creationId="{4DA76E0A-39FF-474B-BF23-FA5D6A899C5C}"/>
+          </ac:picMkLst>
+        </pc:picChg>
+        <pc:picChg chg="add mod">
+          <ac:chgData name="侑珉 吳" userId="91ff56075f44ff7d" providerId="LiveId" clId="{BA5DC127-9A4B-434F-9125-E242DD0A1E96}" dt="2022-07-13T05:34:08.180" v="918" actId="14100"/>
+          <ac:picMkLst>
+            <pc:docMk/>
+            <pc:sldMk cId="4092427249" sldId="264"/>
+            <ac:picMk id="13" creationId="{F31972B4-D1CB-463C-B67C-72B34B718C27}"/>
+          </ac:picMkLst>
+        </pc:picChg>
+        <pc:picChg chg="add mod">
+          <ac:chgData name="侑珉 吳" userId="91ff56075f44ff7d" providerId="LiveId" clId="{BA5DC127-9A4B-434F-9125-E242DD0A1E96}" dt="2022-07-13T05:34:13.672" v="920" actId="14100"/>
+          <ac:picMkLst>
+            <pc:docMk/>
+            <pc:sldMk cId="4092427249" sldId="264"/>
+            <ac:picMk id="15" creationId="{67EF2704-1073-4307-A7E8-6B99423ABA42}"/>
+          </ac:picMkLst>
+        </pc:picChg>
+      </pc:sldChg>
+      <pc:sldChg chg="addSp delSp modSp new mod ord addCm">
+        <pc:chgData name="侑珉 吳" userId="91ff56075f44ff7d" providerId="LiveId" clId="{BA5DC127-9A4B-434F-9125-E242DD0A1E96}" dt="2022-07-13T06:01:05.658" v="1556"/>
+        <pc:sldMkLst>
+          <pc:docMk/>
+          <pc:sldMk cId="769021048" sldId="265"/>
+        </pc:sldMkLst>
+        <pc:spChg chg="mod">
+          <ac:chgData name="侑珉 吳" userId="91ff56075f44ff7d" providerId="LiveId" clId="{BA5DC127-9A4B-434F-9125-E242DD0A1E96}" dt="2022-07-13T05:12:18.168" v="588" actId="20577"/>
+          <ac:spMkLst>
+            <pc:docMk/>
+            <pc:sldMk cId="769021048" sldId="265"/>
+            <ac:spMk id="2" creationId="{FF79AC41-9B17-4A0E-B348-45BEF05B4051}"/>
+          </ac:spMkLst>
+        </pc:spChg>
+        <pc:spChg chg="add del mod">
+          <ac:chgData name="侑珉 吳" userId="91ff56075f44ff7d" providerId="LiveId" clId="{BA5DC127-9A4B-434F-9125-E242DD0A1E96}" dt="2022-07-13T05:07:33.422" v="418" actId="21"/>
+          <ac:spMkLst>
+            <pc:docMk/>
+            <pc:sldMk cId="769021048" sldId="265"/>
+            <ac:spMk id="3" creationId="{613A0FE3-D771-4219-9D25-45A45371C573}"/>
+          </ac:spMkLst>
+        </pc:spChg>
+        <pc:spChg chg="add mod">
+          <ac:chgData name="侑珉 吳" userId="91ff56075f44ff7d" providerId="LiveId" clId="{BA5DC127-9A4B-434F-9125-E242DD0A1E96}" dt="2022-07-13T05:17:33.265" v="753" actId="14100"/>
+          <ac:spMkLst>
+            <pc:docMk/>
+            <pc:sldMk cId="769021048" sldId="265"/>
+            <ac:spMk id="5" creationId="{14696E20-23D6-4E57-85D7-30539122B6F9}"/>
+          </ac:spMkLst>
+        </pc:spChg>
+        <pc:spChg chg="add mod">
+          <ac:chgData name="侑珉 吳" userId="91ff56075f44ff7d" providerId="LiveId" clId="{BA5DC127-9A4B-434F-9125-E242DD0A1E96}" dt="2022-07-13T05:17:57.280" v="758" actId="164"/>
+          <ac:spMkLst>
+            <pc:docMk/>
+            <pc:sldMk cId="769021048" sldId="265"/>
+            <ac:spMk id="10" creationId="{E5F1FB6A-0930-43A7-8B2D-1FC229811D16}"/>
+          </ac:spMkLst>
+        </pc:spChg>
+        <pc:grpChg chg="add mod">
+          <ac:chgData name="侑珉 吳" userId="91ff56075f44ff7d" providerId="LiveId" clId="{BA5DC127-9A4B-434F-9125-E242DD0A1E96}" dt="2022-07-13T05:18:02.189" v="759" actId="1076"/>
+          <ac:grpSpMkLst>
+            <pc:docMk/>
+            <pc:sldMk cId="769021048" sldId="265"/>
+            <ac:grpSpMk id="11" creationId="{422ABEE9-D98E-45FC-B34D-55353D860042}"/>
+          </ac:grpSpMkLst>
+        </pc:grpChg>
+        <pc:picChg chg="add mod modCrop">
+          <ac:chgData name="侑珉 吳" userId="91ff56075f44ff7d" providerId="LiveId" clId="{BA5DC127-9A4B-434F-9125-E242DD0A1E96}" dt="2022-07-13T05:18:13.367" v="763" actId="1076"/>
+          <ac:picMkLst>
+            <pc:docMk/>
+            <pc:sldMk cId="769021048" sldId="265"/>
+            <ac:picMk id="7" creationId="{7162640F-CFCF-4809-8575-38C7DAFF2E56}"/>
+          </ac:picMkLst>
+        </pc:picChg>
+        <pc:picChg chg="add mod">
+          <ac:chgData name="侑珉 吳" userId="91ff56075f44ff7d" providerId="LiveId" clId="{BA5DC127-9A4B-434F-9125-E242DD0A1E96}" dt="2022-07-13T05:17:57.280" v="758" actId="164"/>
+          <ac:picMkLst>
+            <pc:docMk/>
+            <pc:sldMk cId="769021048" sldId="265"/>
+            <ac:picMk id="9" creationId="{61FA06E2-6C7E-4047-BED9-F9EA9B0CB81C}"/>
+          </ac:picMkLst>
+        </pc:picChg>
+      </pc:sldChg>
+      <pc:sldChg chg="addSp delSp modSp new mod">
+        <pc:chgData name="侑珉 吳" userId="91ff56075f44ff7d" providerId="LiveId" clId="{BA5DC127-9A4B-434F-9125-E242DD0A1E96}" dt="2022-07-13T05:35:41.513" v="941" actId="20577"/>
+        <pc:sldMkLst>
+          <pc:docMk/>
+          <pc:sldMk cId="1137121969" sldId="266"/>
+        </pc:sldMkLst>
+        <pc:spChg chg="mod">
+          <ac:chgData name="侑珉 吳" userId="91ff56075f44ff7d" providerId="LiveId" clId="{BA5DC127-9A4B-434F-9125-E242DD0A1E96}" dt="2022-07-13T05:35:41.513" v="941" actId="20577"/>
+          <ac:spMkLst>
+            <pc:docMk/>
+            <pc:sldMk cId="1137121969" sldId="266"/>
+            <ac:spMk id="2" creationId="{F5347A50-0D3A-457E-A12B-5562BF41ED14}"/>
+          </ac:spMkLst>
+        </pc:spChg>
+        <pc:spChg chg="del">
+          <ac:chgData name="侑珉 吳" userId="91ff56075f44ff7d" providerId="LiveId" clId="{BA5DC127-9A4B-434F-9125-E242DD0A1E96}" dt="2022-07-13T05:35:30.306" v="928"/>
+          <ac:spMkLst>
+            <pc:docMk/>
+            <pc:sldMk cId="1137121969" sldId="266"/>
+            <ac:spMk id="3" creationId="{7AE35764-9403-4A58-9834-F0E463C15B04}"/>
+          </ac:spMkLst>
+        </pc:spChg>
+        <pc:picChg chg="add del mod">
+          <ac:chgData name="侑珉 吳" userId="91ff56075f44ff7d" providerId="LiveId" clId="{BA5DC127-9A4B-434F-9125-E242DD0A1E96}" dt="2022-07-13T05:35:19.905" v="927" actId="21"/>
+          <ac:picMkLst>
+            <pc:docMk/>
+            <pc:sldMk cId="1137121969" sldId="266"/>
+            <ac:picMk id="4" creationId="{3EA37BEE-9142-408B-A0F7-BECC87FA36C6}"/>
+          </ac:picMkLst>
+        </pc:picChg>
+        <pc:picChg chg="add mod">
+          <ac:chgData name="侑珉 吳" userId="91ff56075f44ff7d" providerId="LiveId" clId="{BA5DC127-9A4B-434F-9125-E242DD0A1E96}" dt="2022-07-13T05:35:37.003" v="930" actId="1076"/>
+          <ac:picMkLst>
+            <pc:docMk/>
+            <pc:sldMk cId="1137121969" sldId="266"/>
+            <ac:picMk id="5" creationId="{411D6783-358D-4D7D-93B2-DD379533D409}"/>
+          </ac:picMkLst>
+        </pc:picChg>
+      </pc:sldChg>
+      <pc:sldChg chg="modSp new mod">
+        <pc:chgData name="侑珉 吳" userId="91ff56075f44ff7d" providerId="LiveId" clId="{BA5DC127-9A4B-434F-9125-E242DD0A1E96}" dt="2022-07-13T05:49:03.029" v="1554" actId="15"/>
+        <pc:sldMkLst>
+          <pc:docMk/>
+          <pc:sldMk cId="2892966044" sldId="267"/>
+        </pc:sldMkLst>
+        <pc:spChg chg="mod">
+          <ac:chgData name="侑珉 吳" userId="91ff56075f44ff7d" providerId="LiveId" clId="{BA5DC127-9A4B-434F-9125-E242DD0A1E96}" dt="2022-07-13T05:37:18.437" v="952" actId="20577"/>
+          <ac:spMkLst>
+            <pc:docMk/>
+            <pc:sldMk cId="2892966044" sldId="267"/>
+            <ac:spMk id="2" creationId="{714779E7-CFA5-4207-BE61-E2A0AC0B189C}"/>
+          </ac:spMkLst>
+        </pc:spChg>
+        <pc:spChg chg="mod">
+          <ac:chgData name="侑珉 吳" userId="91ff56075f44ff7d" providerId="LiveId" clId="{BA5DC127-9A4B-434F-9125-E242DD0A1E96}" dt="2022-07-13T05:49:03.029" v="1554" actId="15"/>
+          <ac:spMkLst>
+            <pc:docMk/>
+            <pc:sldMk cId="2892966044" sldId="267"/>
+            <ac:spMk id="3" creationId="{0905DF9C-4E9D-4E38-8D31-2F0802D71C99}"/>
+          </ac:spMkLst>
+        </pc:spChg>
+      </pc:sldChg>
+    </pc:docChg>
+  </pc:docChgLst>
   <pc:docChgLst>
     <pc:chgData name="吳侑珉" userId="8dd5a70e-fe8a-4391-a841-96f9b65d5e55" providerId="ADAL" clId="{BF908E1D-F4C4-48CD-80CE-BAB2F26EE44F}"/>
     <pc:docChg chg="undo custSel addSld modSld sldOrd">
@@ -291,6 +526,20 @@
 </pc:chgInfo>
 </file>
 
+<file path=ppt/comments/comment1.xml><?xml version="1.0" encoding="utf-8"?>
+<p:cmLst xmlns:a="http://schemas.openxmlformats.org/drawingml/2006/main" xmlns:r="http://schemas.openxmlformats.org/officeDocument/2006/relationships" xmlns:p="http://schemas.openxmlformats.org/presentationml/2006/main">
+  <p:cm authorId="1" dt="2022-07-13T13:15:02.221" idx="1">
+    <p:pos x="10" y="10"/>
+    <p:text/>
+    <p:extLst>
+      <p:ext uri="{C676402C-5697-4E1C-873F-D02D1690AC5C}">
+        <p15:threadingInfo xmlns:p15="http://schemas.microsoft.com/office/powerpoint/2012/main" timeZoneBias="-480"/>
+      </p:ext>
+    </p:extLst>
+  </p:cm>
+</p:cmLst>
+</file>
+
 <file path=ppt/notesMasters/notesMaster1.xml><?xml version="1.0" encoding="utf-8"?>
 <p:notesMaster xmlns:a="http://schemas.openxmlformats.org/drawingml/2006/main" xmlns:r="http://schemas.openxmlformats.org/officeDocument/2006/relationships" xmlns:p="http://schemas.openxmlformats.org/presentationml/2006/main">
   <p:cSld>
@@ -373,7 +622,7 @@
           <a:p>
             <a:fld id="{94FC5F17-778F-4778-9342-86E5F3992869}" type="datetimeFigureOut">
               <a:rPr lang="zh-TW" altLang="en-US" smtClean="0"/>
-              <a:t>2022/6/15</a:t>
+              <a:t>2022/7/13</a:t>
             </a:fld>
             <a:endParaRPr lang="zh-TW" altLang="en-US"/>
           </a:p>
@@ -3916,6 +4165,258 @@
 </p:sld>
 </file>
 
+<file path=ppt/slides/slide10.xml><?xml version="1.0" encoding="utf-8"?>
+<p:sld xmlns:a="http://schemas.openxmlformats.org/drawingml/2006/main" xmlns:r="http://schemas.openxmlformats.org/officeDocument/2006/relationships" xmlns:p="http://schemas.openxmlformats.org/presentationml/2006/main">
+  <p:cSld>
+    <p:spTree>
+      <p:nvGrpSpPr>
+        <p:cNvPr id="1" name=""/>
+        <p:cNvGrpSpPr/>
+        <p:nvPr/>
+      </p:nvGrpSpPr>
+      <p:grpSpPr>
+        <a:xfrm>
+          <a:off x="0" y="0"/>
+          <a:ext cx="0" cy="0"/>
+          <a:chOff x="0" y="0"/>
+          <a:chExt cx="0" cy="0"/>
+        </a:xfrm>
+      </p:grpSpPr>
+      <p:sp>
+        <p:nvSpPr>
+          <p:cNvPr id="4" name="標題 3">
+            <a:extLst>
+              <a:ext uri="{FF2B5EF4-FFF2-40B4-BE49-F238E27FC236}">
+                <a16:creationId xmlns:a16="http://schemas.microsoft.com/office/drawing/2014/main" id="{BAEE681D-0264-48DA-81E4-033F06B0B1AC}"/>
+              </a:ext>
+            </a:extLst>
+          </p:cNvPr>
+          <p:cNvSpPr>
+            <a:spLocks noGrp="1"/>
+          </p:cNvSpPr>
+          <p:nvPr>
+            <p:ph type="title"/>
+          </p:nvPr>
+        </p:nvSpPr>
+        <p:spPr/>
+        <p:txBody>
+          <a:bodyPr/>
+          <a:lstStyle/>
+          <a:p>
+            <a:r>
+              <a:rPr lang="en-US" altLang="zh-TW" dirty="0"/>
+              <a:t>Resource</a:t>
+            </a:r>
+            <a:endParaRPr lang="zh-TW" altLang="en-US" dirty="0"/>
+          </a:p>
+        </p:txBody>
+      </p:sp>
+      <p:sp>
+        <p:nvSpPr>
+          <p:cNvPr id="8" name="內容版面配置區 7">
+            <a:extLst>
+              <a:ext uri="{FF2B5EF4-FFF2-40B4-BE49-F238E27FC236}">
+                <a16:creationId xmlns:a16="http://schemas.microsoft.com/office/drawing/2014/main" id="{33C42608-8FAB-4B03-AFC3-7B81A2E77D36}"/>
+              </a:ext>
+            </a:extLst>
+          </p:cNvPr>
+          <p:cNvSpPr>
+            <a:spLocks noGrp="1"/>
+          </p:cNvSpPr>
+          <p:nvPr>
+            <p:ph idx="1"/>
+          </p:nvPr>
+        </p:nvSpPr>
+        <p:spPr/>
+        <p:txBody>
+          <a:bodyPr/>
+          <a:lstStyle/>
+          <a:p>
+            <a:r>
+              <a:rPr lang="en-US" altLang="zh-TW" dirty="0"/>
+              <a:t>Next.js(React</a:t>
+            </a:r>
+            <a:r>
+              <a:rPr lang="zh-TW" altLang="en-US" dirty="0"/>
+              <a:t>框架</a:t>
+            </a:r>
+            <a:r>
+              <a:rPr lang="en-US" altLang="zh-TW" dirty="0"/>
+              <a:t>)</a:t>
+            </a:r>
+          </a:p>
+          <a:p>
+            <a:pPr lvl="1"/>
+            <a:r>
+              <a:rPr lang="en-US" altLang="zh-TW" b="0" i="0" dirty="0">
+                <a:solidFill>
+                  <a:srgbClr val="111111"/>
+                </a:solidFill>
+                <a:effectLst/>
+              </a:rPr>
+              <a:t> </a:t>
+            </a:r>
+            <a:r>
+              <a:rPr lang="en-US" altLang="zh-TW" b="0" i="0" u="none" strike="noStrike" dirty="0">
+                <a:solidFill>
+                  <a:srgbClr val="0074DE"/>
+                </a:solidFill>
+                <a:effectLst/>
+                <a:hlinkClick r:id="rId2"/>
+              </a:rPr>
+              <a:t>page-based</a:t>
+            </a:r>
+            <a:r>
+              <a:rPr lang="en-US" altLang="zh-TW" b="0" i="0" dirty="0">
+                <a:solidFill>
+                  <a:srgbClr val="111111"/>
+                </a:solidFill>
+                <a:effectLst/>
+              </a:rPr>
+              <a:t> routing system </a:t>
+            </a:r>
+          </a:p>
+          <a:p>
+            <a:pPr lvl="1"/>
+            <a:r>
+              <a:rPr lang="en-US" altLang="zh-TW" dirty="0"/>
+              <a:t>static generation(SSG), server-side-rendering(SSR)</a:t>
+            </a:r>
+          </a:p>
+          <a:p>
+            <a:r>
+              <a:rPr lang="en-US" altLang="zh-TW" dirty="0"/>
+              <a:t>Tailwind CSS</a:t>
+            </a:r>
+          </a:p>
+          <a:p>
+            <a:endParaRPr lang="zh-TW" altLang="en-US" dirty="0"/>
+          </a:p>
+        </p:txBody>
+      </p:sp>
+    </p:spTree>
+    <p:extLst>
+      <p:ext uri="{BB962C8B-B14F-4D97-AF65-F5344CB8AC3E}">
+        <p14:creationId xmlns:p14="http://schemas.microsoft.com/office/powerpoint/2010/main" val="4090312533"/>
+      </p:ext>
+    </p:extLst>
+  </p:cSld>
+  <p:clrMapOvr>
+    <a:masterClrMapping/>
+  </p:clrMapOvr>
+</p:sld>
+</file>
+
+<file path=ppt/slides/slide11.xml><?xml version="1.0" encoding="utf-8"?>
+<p:sld xmlns:a="http://schemas.openxmlformats.org/drawingml/2006/main" xmlns:r="http://schemas.openxmlformats.org/officeDocument/2006/relationships" xmlns:p="http://schemas.openxmlformats.org/presentationml/2006/main">
+  <p:cSld>
+    <p:spTree>
+      <p:nvGrpSpPr>
+        <p:cNvPr id="1" name=""/>
+        <p:cNvGrpSpPr/>
+        <p:nvPr/>
+      </p:nvGrpSpPr>
+      <p:grpSpPr>
+        <a:xfrm>
+          <a:off x="0" y="0"/>
+          <a:ext cx="0" cy="0"/>
+          <a:chOff x="0" y="0"/>
+          <a:chExt cx="0" cy="0"/>
+        </a:xfrm>
+      </p:grpSpPr>
+      <p:sp>
+        <p:nvSpPr>
+          <p:cNvPr id="2" name="標題 1">
+            <a:extLst>
+              <a:ext uri="{FF2B5EF4-FFF2-40B4-BE49-F238E27FC236}">
+                <a16:creationId xmlns:a16="http://schemas.microsoft.com/office/drawing/2014/main" id="{004CBC5B-4428-4B70-9B2B-FFC1F15AC919}"/>
+              </a:ext>
+            </a:extLst>
+          </p:cNvPr>
+          <p:cNvSpPr>
+            <a:spLocks noGrp="1"/>
+          </p:cNvSpPr>
+          <p:nvPr>
+            <p:ph type="title"/>
+          </p:nvPr>
+        </p:nvSpPr>
+        <p:spPr/>
+        <p:txBody>
+          <a:bodyPr/>
+          <a:lstStyle/>
+          <a:p>
+            <a:endParaRPr lang="zh-TW" altLang="en-US" dirty="0"/>
+          </a:p>
+        </p:txBody>
+      </p:sp>
+      <p:sp>
+        <p:nvSpPr>
+          <p:cNvPr id="3" name="內容版面配置區 2">
+            <a:extLst>
+              <a:ext uri="{FF2B5EF4-FFF2-40B4-BE49-F238E27FC236}">
+                <a16:creationId xmlns:a16="http://schemas.microsoft.com/office/drawing/2014/main" id="{B591B211-2AC9-4BFF-9A18-69878EAF8D54}"/>
+              </a:ext>
+            </a:extLst>
+          </p:cNvPr>
+          <p:cNvSpPr>
+            <a:spLocks noGrp="1"/>
+          </p:cNvSpPr>
+          <p:nvPr>
+            <p:ph idx="1"/>
+          </p:nvPr>
+        </p:nvSpPr>
+        <p:spPr/>
+        <p:txBody>
+          <a:bodyPr/>
+          <a:lstStyle/>
+          <a:p>
+            <a:endParaRPr lang="zh-TW" altLang="en-US" dirty="0"/>
+          </a:p>
+        </p:txBody>
+      </p:sp>
+      <p:pic>
+        <p:nvPicPr>
+          <p:cNvPr id="5" name="圖片 4">
+            <a:extLst>
+              <a:ext uri="{FF2B5EF4-FFF2-40B4-BE49-F238E27FC236}">
+                <a16:creationId xmlns:a16="http://schemas.microsoft.com/office/drawing/2014/main" id="{D2F7D9A7-7E89-4F3A-9A60-9FDD3DCCC14A}"/>
+              </a:ext>
+            </a:extLst>
+          </p:cNvPr>
+          <p:cNvPicPr>
+            <a:picLocks noChangeAspect="1"/>
+          </p:cNvPicPr>
+          <p:nvPr/>
+        </p:nvPicPr>
+        <p:blipFill>
+          <a:blip r:embed="rId2"/>
+          <a:stretch>
+            <a:fillRect/>
+          </a:stretch>
+        </p:blipFill>
+        <p:spPr>
+          <a:xfrm>
+            <a:off x="5748112" y="980055"/>
+            <a:ext cx="6219521" cy="5256666"/>
+          </a:xfrm>
+          <a:prstGeom prst="rect">
+            <a:avLst/>
+          </a:prstGeom>
+        </p:spPr>
+      </p:pic>
+    </p:spTree>
+    <p:extLst>
+      <p:ext uri="{BB962C8B-B14F-4D97-AF65-F5344CB8AC3E}">
+        <p14:creationId xmlns:p14="http://schemas.microsoft.com/office/powerpoint/2010/main" val="1023143871"/>
+      </p:ext>
+    </p:extLst>
+  </p:cSld>
+  <p:clrMapOvr>
+    <a:masterClrMapping/>
+  </p:clrMapOvr>
+</p:sld>
+</file>
+
 <file path=ppt/slides/slide2.xml><?xml version="1.0" encoding="utf-8"?>
 <p:sld xmlns:a="http://schemas.openxmlformats.org/drawingml/2006/main" xmlns:r="http://schemas.openxmlformats.org/officeDocument/2006/relationships" xmlns:p="http://schemas.openxmlformats.org/presentationml/2006/main">
   <p:cSld>
@@ -4463,7 +4964,7 @@
           <p:cNvPr id="2" name="標題 1">
             <a:extLst>
               <a:ext uri="{FF2B5EF4-FFF2-40B4-BE49-F238E27FC236}">
-                <a16:creationId xmlns:a16="http://schemas.microsoft.com/office/drawing/2014/main" id="{38B48BA5-D809-4A71-AAA3-A8D04B3FC421}"/>
+                <a16:creationId xmlns:a16="http://schemas.microsoft.com/office/drawing/2014/main" id="{9FE5C65B-BA23-470C-B6FE-6E4EAF95CCC2}"/>
               </a:ext>
             </a:extLst>
           </p:cNvPr>
@@ -4480,10 +4981,10 @@
           <a:lstStyle/>
           <a:p>
             <a:r>
-              <a:rPr lang="zh-TW" altLang="en-US" dirty="0"/>
-              <a:t>問題</a:t>
-            </a:r>
-            <a:endParaRPr lang="en-US" dirty="0"/>
+              <a:rPr lang="en-US" altLang="zh-TW" dirty="0"/>
+              <a:t>Judger API Rewrite</a:t>
+            </a:r>
+            <a:endParaRPr lang="zh-TW" altLang="en-US" dirty="0"/>
           </a:p>
         </p:txBody>
       </p:sp>
@@ -4492,7 +4993,7 @@
           <p:cNvPr id="3" name="內容版面配置區 2">
             <a:extLst>
               <a:ext uri="{FF2B5EF4-FFF2-40B4-BE49-F238E27FC236}">
-                <a16:creationId xmlns:a16="http://schemas.microsoft.com/office/drawing/2014/main" id="{F224BF3B-4E72-4E9C-8770-511C0D5BACB6}"/>
+                <a16:creationId xmlns:a16="http://schemas.microsoft.com/office/drawing/2014/main" id="{DA1A4FEC-60F5-404B-9244-139439D848C3}"/>
               </a:ext>
             </a:extLst>
           </p:cNvPr>
@@ -4503,41 +5004,112 @@
             <p:ph idx="1"/>
           </p:nvPr>
         </p:nvSpPr>
-        <p:spPr>
-          <a:xfrm>
-            <a:off x="624417" y="908051"/>
-            <a:ext cx="7742835" cy="5400675"/>
-          </a:xfrm>
-        </p:spPr>
+        <p:spPr/>
         <p:txBody>
           <a:bodyPr/>
           <a:lstStyle/>
           <a:p>
             <a:r>
               <a:rPr lang="zh-TW" altLang="en-US" dirty="0"/>
-              <a:t>整體的架構不清楚該如何設計，目前程式碼都擠在同個資料夾。</a:t>
+              <a:t>改使用</a:t>
+            </a:r>
+            <a:r>
+              <a:rPr lang="en-US" altLang="zh-TW" dirty="0" err="1"/>
+              <a:t>FastAPI</a:t>
+            </a:r>
+            <a:r>
+              <a:rPr lang="zh-TW" altLang="en-US" dirty="0"/>
+              <a:t>：自動自動生成</a:t>
+            </a:r>
+            <a:r>
+              <a:rPr lang="en-US" altLang="zh-TW" dirty="0" err="1"/>
+              <a:t>OpenAPI</a:t>
+            </a:r>
+            <a:r>
+              <a:rPr lang="zh-TW" altLang="en-US" dirty="0"/>
+              <a:t>文檔、完全支持異步編程</a:t>
             </a:r>
             <a:endParaRPr lang="en-US" altLang="zh-TW" dirty="0"/>
           </a:p>
           <a:p>
             <a:r>
               <a:rPr lang="zh-TW" altLang="en-US" dirty="0"/>
-              <a:t>還未使用</a:t>
+              <a:t>使用</a:t>
             </a:r>
             <a:r>
               <a:rPr lang="en-US" altLang="zh-TW" dirty="0"/>
-              <a:t>Sandbox, seccomp…</a:t>
-            </a:r>
-            <a:endParaRPr lang="en-US" dirty="0"/>
+              <a:t>Async</a:t>
+            </a:r>
+            <a:r>
+              <a:rPr lang="zh-TW" altLang="en-US" dirty="0"/>
+              <a:t>重寫</a:t>
+            </a:r>
+            <a:r>
+              <a:rPr lang="en-US" altLang="zh-TW" dirty="0" err="1"/>
+              <a:t>Compile.compiler</a:t>
+            </a:r>
+            <a:r>
+              <a:rPr lang="en-US" altLang="zh-TW" dirty="0"/>
+              <a:t>(), </a:t>
+            </a:r>
+            <a:r>
+              <a:rPr lang="en-US" altLang="zh-TW" dirty="0" err="1"/>
+              <a:t>Sandbox.run</a:t>
+            </a:r>
+            <a:r>
+              <a:rPr lang="en-US" altLang="zh-TW" dirty="0"/>
+              <a:t>()</a:t>
+            </a:r>
+            <a:r>
+              <a:rPr lang="zh-TW" altLang="en-US" dirty="0"/>
+              <a:t>，因此可以同時處理多個</a:t>
+            </a:r>
+            <a:r>
+              <a:rPr lang="en-US" altLang="zh-TW" dirty="0"/>
+              <a:t>Submission</a:t>
+            </a:r>
+          </a:p>
+          <a:p>
+            <a:r>
+              <a:rPr lang="zh-TW" altLang="en-US" kern="0" dirty="0"/>
+              <a:t>使用</a:t>
+            </a:r>
+            <a:r>
+              <a:rPr lang="en-US" altLang="zh-TW" kern="0" dirty="0"/>
+              <a:t>Semaphore</a:t>
+            </a:r>
+            <a:r>
+              <a:rPr lang="zh-TW" altLang="en-US" kern="0" dirty="0"/>
+              <a:t>來控制</a:t>
+            </a:r>
+            <a:r>
+              <a:rPr lang="en-US" altLang="zh-TW" kern="0" dirty="0"/>
+              <a:t>Sandbox</a:t>
+            </a:r>
+            <a:r>
+              <a:rPr lang="zh-TW" altLang="en-US" kern="0" dirty="0"/>
+              <a:t>最大連線數量</a:t>
+            </a:r>
+            <a:endParaRPr lang="en-US" altLang="zh-TW" kern="0" dirty="0"/>
+          </a:p>
+          <a:p>
+            <a:r>
+              <a:rPr lang="zh-TW" altLang="en-US" dirty="0"/>
+              <a:t>同時有兩個連線的情況</a:t>
+            </a:r>
+            <a:endParaRPr lang="en-US" altLang="zh-TW" kern="0" dirty="0"/>
+          </a:p>
+          <a:p>
+            <a:endParaRPr lang="en-US" altLang="zh-TW" dirty="0"/>
           </a:p>
         </p:txBody>
       </p:sp>
       <p:pic>
         <p:nvPicPr>
-          <p:cNvPr id="5" name="圖片 4">
+          <p:cNvPr id="9" name="圖片 8">
             <a:extLst>
               <a:ext uri="{FF2B5EF4-FFF2-40B4-BE49-F238E27FC236}">
-                <a16:creationId xmlns:a16="http://schemas.microsoft.com/office/drawing/2014/main" id="{8573F032-ADA6-4143-819B-2EBCE60063B1}"/>
+                <a16:creationId xmlns:a16="http://schemas.microsoft.com/office/drawing/2014/main" id="{A0AF2E24-75CA-4F9D-9972-19B0FE62586D}"/>
               </a:ext>
             </a:extLst>
           </p:cNvPr>
@@ -4554,18 +5126,108 @@
         </p:blipFill>
         <p:spPr>
           <a:xfrm>
-            <a:off x="8561542" y="1218891"/>
-            <a:ext cx="2915057" cy="4420217"/>
+            <a:off x="8454549" y="2454965"/>
+            <a:ext cx="3620843" cy="328102"/>
           </a:xfrm>
           <a:prstGeom prst="rect">
             <a:avLst/>
           </a:prstGeom>
         </p:spPr>
       </p:pic>
+      <p:pic>
+        <p:nvPicPr>
+          <p:cNvPr id="11" name="圖片 10">
+            <a:extLst>
+              <a:ext uri="{FF2B5EF4-FFF2-40B4-BE49-F238E27FC236}">
+                <a16:creationId xmlns:a16="http://schemas.microsoft.com/office/drawing/2014/main" id="{4DA76E0A-39FF-474B-BF23-FA5D6A899C5C}"/>
+              </a:ext>
+            </a:extLst>
+          </p:cNvPr>
+          <p:cNvPicPr>
+            <a:picLocks noChangeAspect="1"/>
+          </p:cNvPicPr>
+          <p:nvPr/>
+        </p:nvPicPr>
+        <p:blipFill>
+          <a:blip r:embed="rId3"/>
+          <a:stretch>
+            <a:fillRect/>
+          </a:stretch>
+        </p:blipFill>
+        <p:spPr>
+          <a:xfrm>
+            <a:off x="4861608" y="2925942"/>
+            <a:ext cx="7020905" cy="847843"/>
+          </a:xfrm>
+          <a:prstGeom prst="rect">
+            <a:avLst/>
+          </a:prstGeom>
+        </p:spPr>
+      </p:pic>
+      <p:pic>
+        <p:nvPicPr>
+          <p:cNvPr id="13" name="圖片 12">
+            <a:extLst>
+              <a:ext uri="{FF2B5EF4-FFF2-40B4-BE49-F238E27FC236}">
+                <a16:creationId xmlns:a16="http://schemas.microsoft.com/office/drawing/2014/main" id="{F31972B4-D1CB-463C-B67C-72B34B718C27}"/>
+              </a:ext>
+            </a:extLst>
+          </p:cNvPr>
+          <p:cNvPicPr>
+            <a:picLocks noChangeAspect="1"/>
+          </p:cNvPicPr>
+          <p:nvPr/>
+        </p:nvPicPr>
+        <p:blipFill>
+          <a:blip r:embed="rId4"/>
+          <a:stretch>
+            <a:fillRect/>
+          </a:stretch>
+        </p:blipFill>
+        <p:spPr>
+          <a:xfrm>
+            <a:off x="759162" y="3535091"/>
+            <a:ext cx="2631114" cy="2414858"/>
+          </a:xfrm>
+          <a:prstGeom prst="rect">
+            <a:avLst/>
+          </a:prstGeom>
+        </p:spPr>
+      </p:pic>
+      <p:pic>
+        <p:nvPicPr>
+          <p:cNvPr id="15" name="圖片 14">
+            <a:extLst>
+              <a:ext uri="{FF2B5EF4-FFF2-40B4-BE49-F238E27FC236}">
+                <a16:creationId xmlns:a16="http://schemas.microsoft.com/office/drawing/2014/main" id="{67EF2704-1073-4307-A7E8-6B99423ABA42}"/>
+              </a:ext>
+            </a:extLst>
+          </p:cNvPr>
+          <p:cNvPicPr>
+            <a:picLocks noChangeAspect="1"/>
+          </p:cNvPicPr>
+          <p:nvPr/>
+        </p:nvPicPr>
+        <p:blipFill>
+          <a:blip r:embed="rId5"/>
+          <a:stretch>
+            <a:fillRect/>
+          </a:stretch>
+        </p:blipFill>
+        <p:spPr>
+          <a:xfrm>
+            <a:off x="3525020" y="3535090"/>
+            <a:ext cx="2570979" cy="2426135"/>
+          </a:xfrm>
+          <a:prstGeom prst="rect">
+            <a:avLst/>
+          </a:prstGeom>
+        </p:spPr>
+      </p:pic>
     </p:spTree>
     <p:extLst>
       <p:ext uri="{BB962C8B-B14F-4D97-AF65-F5344CB8AC3E}">
-        <p14:creationId xmlns:p14="http://schemas.microsoft.com/office/powerpoint/2010/main" val="3423523245"/>
+        <p14:creationId xmlns:p14="http://schemas.microsoft.com/office/powerpoint/2010/main" val="4092427249"/>
       </p:ext>
     </p:extLst>
   </p:cSld>
@@ -4594,10 +5256,10 @@
       </p:grpSpPr>
       <p:sp>
         <p:nvSpPr>
-          <p:cNvPr id="4" name="標題 3">
+          <p:cNvPr id="2" name="標題 1">
             <a:extLst>
               <a:ext uri="{FF2B5EF4-FFF2-40B4-BE49-F238E27FC236}">
-                <a16:creationId xmlns:a16="http://schemas.microsoft.com/office/drawing/2014/main" id="{B7D8CABA-CFF4-4553-8D8A-70EED246A1CC}"/>
+                <a16:creationId xmlns:a16="http://schemas.microsoft.com/office/drawing/2014/main" id="{F5347A50-0D3A-457E-A12B-5562BF41ED14}"/>
               </a:ext>
             </a:extLst>
           </p:cNvPr>
@@ -4605,7 +5267,7 @@
             <a:spLocks noGrp="1"/>
           </p:cNvSpPr>
           <p:nvPr>
-            <p:ph type="ctrTitle"/>
+            <p:ph type="title"/>
           </p:nvPr>
         </p:nvSpPr>
         <p:spPr/>
@@ -4614,41 +5276,57 @@
           <a:lstStyle/>
           <a:p>
             <a:r>
-              <a:rPr lang="zh-TW" altLang="en-US" sz="8000" dirty="0"/>
-              <a:t>前端</a:t>
-            </a:r>
-          </a:p>
-        </p:txBody>
-      </p:sp>
-      <p:sp>
-        <p:nvSpPr>
-          <p:cNvPr id="5" name="副標題 4">
+              <a:rPr lang="en-US" altLang="zh-TW" dirty="0"/>
+              <a:t>Judge API Rewrite</a:t>
+            </a:r>
+            <a:r>
+              <a:rPr lang="zh-TW" altLang="en-US" dirty="0"/>
+              <a:t> </a:t>
+            </a:r>
+            <a:r>
+              <a:rPr lang="en-US" altLang="zh-TW" dirty="0"/>
+              <a:t>Source</a:t>
+            </a:r>
+            <a:endParaRPr lang="zh-TW" altLang="en-US" dirty="0"/>
+          </a:p>
+        </p:txBody>
+      </p:sp>
+      <p:pic>
+        <p:nvPicPr>
+          <p:cNvPr id="5" name="內容版面配置區 4">
             <a:extLst>
               <a:ext uri="{FF2B5EF4-FFF2-40B4-BE49-F238E27FC236}">
-                <a16:creationId xmlns:a16="http://schemas.microsoft.com/office/drawing/2014/main" id="{9C25D9D5-8B33-4D89-AEF7-3118F52225E6}"/>
+                <a16:creationId xmlns:a16="http://schemas.microsoft.com/office/drawing/2014/main" id="{411D6783-358D-4D7D-93B2-DD379533D409}"/>
               </a:ext>
             </a:extLst>
           </p:cNvPr>
-          <p:cNvSpPr>
-            <a:spLocks noGrp="1"/>
-          </p:cNvSpPr>
-          <p:nvPr>
-            <p:ph type="subTitle" idx="1"/>
-          </p:nvPr>
-        </p:nvSpPr>
-        <p:spPr/>
-        <p:txBody>
-          <a:bodyPr/>
-          <a:lstStyle/>
-          <a:p>
-            <a:endParaRPr lang="zh-TW" altLang="en-US"/>
-          </a:p>
-        </p:txBody>
-      </p:sp>
+          <p:cNvPicPr>
+            <a:picLocks noGrp="1" noChangeAspect="1"/>
+          </p:cNvPicPr>
+          <p:nvPr>
+            <p:ph idx="1"/>
+          </p:nvPr>
+        </p:nvPicPr>
+        <p:blipFill>
+          <a:blip r:embed="rId2"/>
+          <a:stretch>
+            <a:fillRect/>
+          </a:stretch>
+        </p:blipFill>
+        <p:spPr>
+          <a:xfrm>
+            <a:off x="609600" y="957745"/>
+            <a:ext cx="9871931" cy="5400675"/>
+          </a:xfrm>
+          <a:prstGeom prst="rect">
+            <a:avLst/>
+          </a:prstGeom>
+        </p:spPr>
+      </p:pic>
     </p:spTree>
     <p:extLst>
       <p:ext uri="{BB962C8B-B14F-4D97-AF65-F5344CB8AC3E}">
-        <p14:creationId xmlns:p14="http://schemas.microsoft.com/office/powerpoint/2010/main" val="3406429979"/>
+        <p14:creationId xmlns:p14="http://schemas.microsoft.com/office/powerpoint/2010/main" val="1137121969"/>
       </p:ext>
     </p:extLst>
   </p:cSld>
@@ -4677,10 +5355,10 @@
       </p:grpSpPr>
       <p:sp>
         <p:nvSpPr>
-          <p:cNvPr id="4" name="標題 3">
+          <p:cNvPr id="2" name="標題 1">
             <a:extLst>
               <a:ext uri="{FF2B5EF4-FFF2-40B4-BE49-F238E27FC236}">
-                <a16:creationId xmlns:a16="http://schemas.microsoft.com/office/drawing/2014/main" id="{BAEE681D-0264-48DA-81E4-033F06B0B1AC}"/>
+                <a16:creationId xmlns:a16="http://schemas.microsoft.com/office/drawing/2014/main" id="{FF79AC41-9B17-4A0E-B348-45BEF05B4051}"/>
               </a:ext>
             </a:extLst>
           </p:cNvPr>
@@ -4698,7 +5376,7 @@
           <a:p>
             <a:r>
               <a:rPr lang="en-US" altLang="zh-TW" dirty="0"/>
-              <a:t>Resource</a:t>
+              <a:t>Judge API Rewrite</a:t>
             </a:r>
             <a:endParaRPr lang="zh-TW" altLang="en-US" dirty="0"/>
           </a:p>
@@ -4706,10 +5384,10 @@
       </p:sp>
       <p:sp>
         <p:nvSpPr>
-          <p:cNvPr id="8" name="內容版面配置區 7">
+          <p:cNvPr id="5" name="內容版面配置區 4">
             <a:extLst>
               <a:ext uri="{FF2B5EF4-FFF2-40B4-BE49-F238E27FC236}">
-                <a16:creationId xmlns:a16="http://schemas.microsoft.com/office/drawing/2014/main" id="{33C42608-8FAB-4B03-AFC3-7B81A2E77D36}"/>
+                <a16:creationId xmlns:a16="http://schemas.microsoft.com/office/drawing/2014/main" id="{14696E20-23D6-4E57-85D7-30539122B6F9}"/>
               </a:ext>
             </a:extLst>
           </p:cNvPr>
@@ -4720,77 +5398,173 @@
             <p:ph idx="1"/>
           </p:nvPr>
         </p:nvSpPr>
-        <p:spPr/>
+        <p:spPr>
+          <a:xfrm>
+            <a:off x="609600" y="908051"/>
+            <a:ext cx="11582400" cy="5400675"/>
+          </a:xfrm>
+        </p:spPr>
         <p:txBody>
           <a:bodyPr/>
           <a:lstStyle/>
           <a:p>
             <a:r>
+              <a:rPr lang="zh-TW" altLang="en-US" kern="0" dirty="0"/>
+              <a:t>程式碼能夠在</a:t>
+            </a:r>
+            <a:r>
+              <a:rPr lang="en-US" altLang="zh-TW" kern="0" dirty="0"/>
+              <a:t>Sandbox</a:t>
+            </a:r>
+            <a:r>
+              <a:rPr lang="zh-TW" altLang="en-US" kern="0" dirty="0"/>
+              <a:t>中執行，可限制</a:t>
+            </a:r>
+            <a:r>
+              <a:rPr lang="zh-TW" altLang="en-US" dirty="0"/>
+              <a:t>時間、記憶體、</a:t>
+            </a:r>
+            <a:r>
               <a:rPr lang="en-US" altLang="zh-TW" dirty="0"/>
-              <a:t>Next.js(React</a:t>
-            </a:r>
-            <a:r>
-              <a:rPr lang="zh-TW" altLang="en-US" dirty="0"/>
-              <a:t>框架</a:t>
-            </a:r>
-            <a:r>
-              <a:rPr lang="en-US" altLang="zh-TW" dirty="0"/>
-              <a:t>)</a:t>
-            </a:r>
-          </a:p>
-          <a:p>
-            <a:pPr lvl="1"/>
-            <a:r>
-              <a:rPr lang="en-US" altLang="zh-TW" b="0" i="0" dirty="0">
-                <a:solidFill>
-                  <a:srgbClr val="111111"/>
-                </a:solidFill>
-                <a:effectLst/>
-              </a:rPr>
-              <a:t> </a:t>
-            </a:r>
-            <a:r>
-              <a:rPr lang="en-US" altLang="zh-TW" b="0" i="0" u="none" strike="noStrike" dirty="0">
-                <a:solidFill>
-                  <a:srgbClr val="0074DE"/>
-                </a:solidFill>
-                <a:effectLst/>
-                <a:hlinkClick r:id="rId2"/>
-              </a:rPr>
-              <a:t>page-based</a:t>
-            </a:r>
-            <a:r>
-              <a:rPr lang="en-US" altLang="zh-TW" b="0" i="0" dirty="0">
-                <a:solidFill>
-                  <a:srgbClr val="111111"/>
-                </a:solidFill>
-                <a:effectLst/>
-              </a:rPr>
-              <a:t> routing system </a:t>
-            </a:r>
-          </a:p>
-          <a:p>
-            <a:pPr lvl="1"/>
-            <a:r>
-              <a:rPr lang="en-US" altLang="zh-TW" dirty="0"/>
-              <a:t>static generation(SSG), server-side-rendering(SSR)</a:t>
-            </a:r>
-          </a:p>
-          <a:p>
-            <a:r>
-              <a:rPr lang="en-US" altLang="zh-TW" dirty="0"/>
-              <a:t>Tailwind CSS</a:t>
-            </a:r>
+              <a:t>Process</a:t>
+            </a:r>
+            <a:r>
+              <a:rPr lang="zh-TW" altLang="en-US" dirty="0"/>
+              <a:t>數量等</a:t>
+            </a:r>
+            <a:endParaRPr lang="en-US" altLang="zh-TW" kern="0" dirty="0"/>
           </a:p>
           <a:p>
             <a:endParaRPr lang="zh-TW" altLang="en-US" dirty="0"/>
           </a:p>
         </p:txBody>
       </p:sp>
+      <p:pic>
+        <p:nvPicPr>
+          <p:cNvPr id="7" name="圖片 6">
+            <a:extLst>
+              <a:ext uri="{FF2B5EF4-FFF2-40B4-BE49-F238E27FC236}">
+                <a16:creationId xmlns:a16="http://schemas.microsoft.com/office/drawing/2014/main" id="{7162640F-CFCF-4809-8575-38C7DAFF2E56}"/>
+              </a:ext>
+            </a:extLst>
+          </p:cNvPr>
+          <p:cNvPicPr>
+            <a:picLocks noChangeAspect="1"/>
+          </p:cNvPicPr>
+          <p:nvPr/>
+        </p:nvPicPr>
+        <p:blipFill rotWithShape="1">
+          <a:blip r:embed="rId2"/>
+          <a:srcRect r="17723"/>
+          <a:stretch/>
+        </p:blipFill>
+        <p:spPr>
+          <a:xfrm>
+            <a:off x="695600" y="1611176"/>
+            <a:ext cx="8546565" cy="4338773"/>
+          </a:xfrm>
+          <a:prstGeom prst="rect">
+            <a:avLst/>
+          </a:prstGeom>
+        </p:spPr>
+      </p:pic>
+      <p:grpSp>
+        <p:nvGrpSpPr>
+          <p:cNvPr id="11" name="群組 10">
+            <a:extLst>
+              <a:ext uri="{FF2B5EF4-FFF2-40B4-BE49-F238E27FC236}">
+                <a16:creationId xmlns:a16="http://schemas.microsoft.com/office/drawing/2014/main" id="{422ABEE9-D98E-45FC-B34D-55353D860042}"/>
+              </a:ext>
+            </a:extLst>
+          </p:cNvPr>
+          <p:cNvGrpSpPr/>
+          <p:nvPr/>
+        </p:nvGrpSpPr>
+        <p:grpSpPr>
+          <a:xfrm>
+            <a:off x="9487914" y="2278538"/>
+            <a:ext cx="2238688" cy="2938134"/>
+            <a:chOff x="9428280" y="2477020"/>
+            <a:chExt cx="2238688" cy="2938134"/>
+          </a:xfrm>
+        </p:grpSpPr>
+        <p:pic>
+          <p:nvPicPr>
+            <p:cNvPr id="9" name="圖片 8">
+              <a:extLst>
+                <a:ext uri="{FF2B5EF4-FFF2-40B4-BE49-F238E27FC236}">
+                  <a16:creationId xmlns:a16="http://schemas.microsoft.com/office/drawing/2014/main" id="{61FA06E2-6C7E-4047-BED9-F9EA9B0CB81C}"/>
+                </a:ext>
+              </a:extLst>
+            </p:cNvPr>
+            <p:cNvPicPr>
+              <a:picLocks noChangeAspect="1"/>
+            </p:cNvPicPr>
+            <p:nvPr/>
+          </p:nvPicPr>
+          <p:blipFill>
+            <a:blip r:embed="rId3"/>
+            <a:stretch>
+              <a:fillRect/>
+            </a:stretch>
+          </p:blipFill>
+          <p:spPr>
+            <a:xfrm>
+              <a:off x="9428281" y="3071677"/>
+              <a:ext cx="2238687" cy="2343477"/>
+            </a:xfrm>
+            <a:prstGeom prst="rect">
+              <a:avLst/>
+            </a:prstGeom>
+          </p:spPr>
+        </p:pic>
+        <p:sp>
+          <p:nvSpPr>
+            <p:cNvPr id="10" name="文字方塊 9">
+              <a:extLst>
+                <a:ext uri="{FF2B5EF4-FFF2-40B4-BE49-F238E27FC236}">
+                  <a16:creationId xmlns:a16="http://schemas.microsoft.com/office/drawing/2014/main" id="{E5F1FB6A-0930-43A7-8B2D-1FC229811D16}"/>
+                </a:ext>
+              </a:extLst>
+            </p:cNvPr>
+            <p:cNvSpPr txBox="1"/>
+            <p:nvPr/>
+          </p:nvSpPr>
+          <p:spPr>
+            <a:xfrm>
+              <a:off x="9428280" y="2477020"/>
+              <a:ext cx="2238687" cy="523220"/>
+            </a:xfrm>
+            <a:prstGeom prst="rect">
+              <a:avLst/>
+            </a:prstGeom>
+            <a:noFill/>
+          </p:spPr>
+          <p:txBody>
+            <a:bodyPr wrap="square" rtlCol="0">
+              <a:spAutoFit/>
+            </a:bodyPr>
+            <a:lstStyle/>
+            <a:p>
+              <a:r>
+                <a:rPr kumimoji="1" lang="zh-TW" altLang="en-US" sz="2800" b="1" kern="0" dirty="0">
+                  <a:solidFill>
+                    <a:srgbClr val="333399"/>
+                  </a:solidFill>
+                  <a:latin typeface="微軟正黑體" panose="020B0604030504040204" pitchFamily="34" charset="-120"/>
+                  <a:ea typeface="微軟正黑體" panose="020B0604030504040204" pitchFamily="34" charset="-120"/>
+                </a:rPr>
+                <a:t>回傳的結果</a:t>
+              </a:r>
+              <a:endParaRPr lang="zh-TW" altLang="en-US" dirty="0"/>
+            </a:p>
+          </p:txBody>
+        </p:sp>
+      </p:grpSp>
     </p:spTree>
     <p:extLst>
       <p:ext uri="{BB962C8B-B14F-4D97-AF65-F5344CB8AC3E}">
-        <p14:creationId xmlns:p14="http://schemas.microsoft.com/office/powerpoint/2010/main" val="4090312533"/>
+        <p14:creationId xmlns:p14="http://schemas.microsoft.com/office/powerpoint/2010/main" val="769021048"/>
       </p:ext>
     </p:extLst>
   </p:cSld>
@@ -4822,7 +5596,7 @@
           <p:cNvPr id="2" name="標題 1">
             <a:extLst>
               <a:ext uri="{FF2B5EF4-FFF2-40B4-BE49-F238E27FC236}">
-                <a16:creationId xmlns:a16="http://schemas.microsoft.com/office/drawing/2014/main" id="{004CBC5B-4428-4B70-9B2B-FFC1F15AC919}"/>
+                <a16:creationId xmlns:a16="http://schemas.microsoft.com/office/drawing/2014/main" id="{714779E7-CFA5-4207-BE61-E2A0AC0B189C}"/>
               </a:ext>
             </a:extLst>
           </p:cNvPr>
@@ -4838,6 +5612,10 @@
           <a:bodyPr/>
           <a:lstStyle/>
           <a:p>
+            <a:r>
+              <a:rPr lang="en-US" altLang="zh-TW" dirty="0"/>
+              <a:t>Temp Slide</a:t>
+            </a:r>
             <a:endParaRPr lang="zh-TW" altLang="en-US" dirty="0"/>
           </a:p>
         </p:txBody>
@@ -4847,7 +5625,7 @@
           <p:cNvPr id="3" name="內容版面配置區 2">
             <a:extLst>
               <a:ext uri="{FF2B5EF4-FFF2-40B4-BE49-F238E27FC236}">
-                <a16:creationId xmlns:a16="http://schemas.microsoft.com/office/drawing/2014/main" id="{B591B211-2AC9-4BFF-9A18-69878EAF8D54}"/>
+                <a16:creationId xmlns:a16="http://schemas.microsoft.com/office/drawing/2014/main" id="{0905DF9C-4E9D-4E38-8D31-2F0802D71C99}"/>
               </a:ext>
             </a:extLst>
           </p:cNvPr>
@@ -4863,44 +5641,174 @@
           <a:bodyPr/>
           <a:lstStyle/>
           <a:p>
+            <a:r>
+              <a:rPr lang="en-US" altLang="zh-TW" dirty="0"/>
+              <a:t>Problem</a:t>
+            </a:r>
+          </a:p>
+          <a:p>
+            <a:pPr lvl="1"/>
+            <a:r>
+              <a:rPr lang="zh-TW" altLang="en-US" dirty="0"/>
+              <a:t>目前沒有在</a:t>
+            </a:r>
+            <a:r>
+              <a:rPr lang="en-US" altLang="zh-TW" dirty="0"/>
+              <a:t>Sandbox</a:t>
+            </a:r>
+            <a:r>
+              <a:rPr lang="zh-TW" altLang="en-US" dirty="0"/>
+              <a:t>編譯程式碼，原因是如果在同一</a:t>
+            </a:r>
+            <a:r>
+              <a:rPr lang="en-US" altLang="zh-TW" dirty="0"/>
+              <a:t>Sandbox</a:t>
+            </a:r>
+            <a:r>
+              <a:rPr lang="zh-TW" altLang="en-US" dirty="0"/>
+              <a:t>編譯、執行，記憶體的計算會不準確</a:t>
+            </a:r>
+            <a:endParaRPr lang="en-US" altLang="zh-TW" dirty="0"/>
+          </a:p>
+          <a:p>
+            <a:r>
+              <a:rPr lang="en-US" altLang="zh-TW" dirty="0" err="1"/>
+              <a:t>ToDo</a:t>
+            </a:r>
+            <a:endParaRPr lang="en-US" altLang="zh-TW" dirty="0"/>
+          </a:p>
+          <a:p>
+            <a:pPr lvl="1"/>
+            <a:r>
+              <a:rPr lang="en-US" altLang="zh-TW" dirty="0"/>
+              <a:t>Judge</a:t>
+            </a:r>
+            <a:r>
+              <a:rPr lang="zh-TW" altLang="en-US" dirty="0"/>
+              <a:t>回傳結果</a:t>
+            </a:r>
+            <a:endParaRPr lang="en-US" altLang="zh-TW" dirty="0"/>
+          </a:p>
+          <a:p>
+            <a:pPr lvl="1"/>
+            <a:r>
+              <a:rPr lang="zh-TW" altLang="en-US" dirty="0"/>
+              <a:t>撰寫</a:t>
+            </a:r>
+            <a:r>
+              <a:rPr lang="en-US" altLang="zh-TW" dirty="0" err="1"/>
+              <a:t>Dockerfile</a:t>
+            </a:r>
+            <a:r>
+              <a:rPr lang="zh-TW" altLang="en-US" dirty="0"/>
+              <a:t>將程式碼打包成</a:t>
+            </a:r>
+            <a:r>
+              <a:rPr lang="en-US" altLang="zh-TW" dirty="0"/>
+              <a:t>Image</a:t>
+            </a:r>
+          </a:p>
+          <a:p>
+            <a:pPr lvl="1"/>
+            <a:r>
+              <a:rPr lang="zh-TW" altLang="en-US" dirty="0"/>
+              <a:t>整理目前進度</a:t>
+            </a:r>
+            <a:endParaRPr lang="en-US" altLang="zh-TW" dirty="0"/>
+          </a:p>
+          <a:p>
+            <a:pPr lvl="1"/>
             <a:endParaRPr lang="zh-TW" altLang="en-US" dirty="0"/>
           </a:p>
         </p:txBody>
       </p:sp>
-      <p:pic>
-        <p:nvPicPr>
-          <p:cNvPr id="5" name="圖片 4">
+    </p:spTree>
+    <p:extLst>
+      <p:ext uri="{BB962C8B-B14F-4D97-AF65-F5344CB8AC3E}">
+        <p14:creationId xmlns:p14="http://schemas.microsoft.com/office/powerpoint/2010/main" val="2892966044"/>
+      </p:ext>
+    </p:extLst>
+  </p:cSld>
+  <p:clrMapOvr>
+    <a:masterClrMapping/>
+  </p:clrMapOvr>
+</p:sld>
+</file>
+
+<file path=ppt/slides/slide9.xml><?xml version="1.0" encoding="utf-8"?>
+<p:sld xmlns:a="http://schemas.openxmlformats.org/drawingml/2006/main" xmlns:r="http://schemas.openxmlformats.org/officeDocument/2006/relationships" xmlns:p="http://schemas.openxmlformats.org/presentationml/2006/main">
+  <p:cSld>
+    <p:spTree>
+      <p:nvGrpSpPr>
+        <p:cNvPr id="1" name=""/>
+        <p:cNvGrpSpPr/>
+        <p:nvPr/>
+      </p:nvGrpSpPr>
+      <p:grpSpPr>
+        <a:xfrm>
+          <a:off x="0" y="0"/>
+          <a:ext cx="0" cy="0"/>
+          <a:chOff x="0" y="0"/>
+          <a:chExt cx="0" cy="0"/>
+        </a:xfrm>
+      </p:grpSpPr>
+      <p:sp>
+        <p:nvSpPr>
+          <p:cNvPr id="4" name="標題 3">
             <a:extLst>
               <a:ext uri="{FF2B5EF4-FFF2-40B4-BE49-F238E27FC236}">
-                <a16:creationId xmlns:a16="http://schemas.microsoft.com/office/drawing/2014/main" id="{D2F7D9A7-7E89-4F3A-9A60-9FDD3DCCC14A}"/>
+                <a16:creationId xmlns:a16="http://schemas.microsoft.com/office/drawing/2014/main" id="{B7D8CABA-CFF4-4553-8D8A-70EED246A1CC}"/>
               </a:ext>
             </a:extLst>
           </p:cNvPr>
-          <p:cNvPicPr>
-            <a:picLocks noChangeAspect="1"/>
-          </p:cNvPicPr>
-          <p:nvPr/>
-        </p:nvPicPr>
-        <p:blipFill>
-          <a:blip r:embed="rId2"/>
-          <a:stretch>
-            <a:fillRect/>
-          </a:stretch>
-        </p:blipFill>
-        <p:spPr>
-          <a:xfrm>
-            <a:off x="5748112" y="980055"/>
-            <a:ext cx="6219521" cy="5256666"/>
-          </a:xfrm>
-          <a:prstGeom prst="rect">
-            <a:avLst/>
-          </a:prstGeom>
-        </p:spPr>
-      </p:pic>
+          <p:cNvSpPr>
+            <a:spLocks noGrp="1"/>
+          </p:cNvSpPr>
+          <p:nvPr>
+            <p:ph type="ctrTitle"/>
+          </p:nvPr>
+        </p:nvSpPr>
+        <p:spPr/>
+        <p:txBody>
+          <a:bodyPr/>
+          <a:lstStyle/>
+          <a:p>
+            <a:r>
+              <a:rPr lang="zh-TW" altLang="en-US" sz="8000" dirty="0"/>
+              <a:t>前端</a:t>
+            </a:r>
+          </a:p>
+        </p:txBody>
+      </p:sp>
+      <p:sp>
+        <p:nvSpPr>
+          <p:cNvPr id="5" name="副標題 4">
+            <a:extLst>
+              <a:ext uri="{FF2B5EF4-FFF2-40B4-BE49-F238E27FC236}">
+                <a16:creationId xmlns:a16="http://schemas.microsoft.com/office/drawing/2014/main" id="{9C25D9D5-8B33-4D89-AEF7-3118F52225E6}"/>
+              </a:ext>
+            </a:extLst>
+          </p:cNvPr>
+          <p:cNvSpPr>
+            <a:spLocks noGrp="1"/>
+          </p:cNvSpPr>
+          <p:nvPr>
+            <p:ph type="subTitle" idx="1"/>
+          </p:nvPr>
+        </p:nvSpPr>
+        <p:spPr/>
+        <p:txBody>
+          <a:bodyPr/>
+          <a:lstStyle/>
+          <a:p>
+            <a:endParaRPr lang="zh-TW" altLang="en-US"/>
+          </a:p>
+        </p:txBody>
+      </p:sp>
     </p:spTree>
     <p:extLst>
       <p:ext uri="{BB962C8B-B14F-4D97-AF65-F5344CB8AC3E}">
-        <p14:creationId xmlns:p14="http://schemas.microsoft.com/office/powerpoint/2010/main" val="1023143871"/>
+        <p14:creationId xmlns:p14="http://schemas.microsoft.com/office/powerpoint/2010/main" val="3406429979"/>
       </p:ext>
     </p:extLst>
   </p:cSld>
